--- a/presentations/presentation_06_Практическая_работа_16_Основы_Git.pptx
+++ b/presentations/presentation_06_Практическая_работа_16_Основы_Git.pptx
@@ -3171,24 +3171,17 @@
       <p:grpSpPr/>
       <p:sp>
         <p:nvSpPr>
-          <p:cNvPr id="2" name="TextBox 1"/>
-          <p:cNvSpPr txBox="1"/>
-          <p:nvPr/>
-        </p:nvSpPr>
-        <p:spPr>
-          <a:xfrm>
-            <a:off x="457200" y="457200"/>
-            <a:ext cx="8229600" cy="914400"/>
-          </a:xfrm>
-          <a:prstGeom prst="rect">
-            <a:avLst/>
-          </a:prstGeom>
-          <a:noFill/>
-        </p:spPr>
-        <p:txBody>
-          <a:bodyPr wrap="none">
-            <a:spAutoFit/>
-          </a:bodyPr>
+          <p:cNvPr id="2" name="Title 1"/>
+          <p:cNvSpPr>
+            <a:spLocks noGrp="1"/>
+          </p:cNvSpPr>
+          <p:nvPr>
+            <p:ph type="title"/>
+          </p:nvPr>
+        </p:nvSpPr>
+        <p:spPr/>
+        <p:txBody>
+          <a:bodyPr/>
           <a:lstStyle/>
           <a:p>
             <a:pPr>
@@ -3207,27 +3200,21 @@
       </p:sp>
       <p:sp>
         <p:nvSpPr>
-          <p:cNvPr id="3" name="TextBox 2"/>
-          <p:cNvSpPr txBox="1"/>
-          <p:nvPr/>
-        </p:nvSpPr>
-        <p:spPr>
-          <a:xfrm>
-            <a:off x="457200" y="1371600"/>
-            <a:ext cx="8229600" cy="5029200"/>
-          </a:xfrm>
-          <a:prstGeom prst="rect">
-            <a:avLst/>
-          </a:prstGeom>
-          <a:noFill/>
-        </p:spPr>
-        <p:txBody>
-          <a:bodyPr wrap="none">
-            <a:spAutoFit/>
-          </a:bodyPr>
+          <p:cNvPr id="3" name="Content Placeholder 2"/>
+          <p:cNvSpPr>
+            <a:spLocks noGrp="1"/>
+          </p:cNvSpPr>
+          <p:nvPr>
+            <p:ph idx="1"/>
+          </p:nvPr>
+        </p:nvSpPr>
+        <p:spPr/>
+        <p:txBody>
+          <a:bodyPr/>
           <a:lstStyle/>
           <a:p>
             <a:pPr>
+              <a:buNone/>
               <a:defRPr sz="1400" b="1">
                 <a:solidFill>
                   <a:srgbClr val="444444"/>
@@ -3241,6 +3228,7 @@
           </a:p>
           <a:p>
             <a:pPr>
+              <a:buNone/>
               <a:defRPr sz="1400" b="1">
                 <a:solidFill>
                   <a:srgbClr val="444444"/>
@@ -3254,6 +3242,7 @@
           </a:p>
           <a:p>
             <a:pPr>
+              <a:buNone/>
               <a:defRPr sz="1400">
                 <a:solidFill>
                   <a:srgbClr val="444444"/>
@@ -3267,6 +3256,7 @@
           </a:p>
           <a:p>
             <a:pPr>
+              <a:buNone/>
               <a:defRPr sz="1400">
                 <a:solidFill>
                   <a:srgbClr val="444444"/>
@@ -3280,6 +3270,7 @@
           </a:p>
           <a:p>
             <a:pPr>
+              <a:buNone/>
               <a:defRPr sz="1400">
                 <a:solidFill>
                   <a:srgbClr val="444444"/>
@@ -3293,6 +3284,7 @@
           </a:p>
           <a:p>
             <a:pPr>
+              <a:buNone/>
               <a:defRPr sz="1400">
                 <a:solidFill>
                   <a:srgbClr val="444444"/>
@@ -3326,24 +3318,17 @@
       <p:grpSpPr/>
       <p:sp>
         <p:nvSpPr>
-          <p:cNvPr id="2" name="TextBox 1"/>
-          <p:cNvSpPr txBox="1"/>
-          <p:nvPr/>
-        </p:nvSpPr>
-        <p:spPr>
-          <a:xfrm>
-            <a:off x="457200" y="457200"/>
-            <a:ext cx="8229600" cy="914400"/>
-          </a:xfrm>
-          <a:prstGeom prst="rect">
-            <a:avLst/>
-          </a:prstGeom>
-          <a:noFill/>
-        </p:spPr>
-        <p:txBody>
-          <a:bodyPr wrap="none">
-            <a:spAutoFit/>
-          </a:bodyPr>
+          <p:cNvPr id="2" name="Title 1"/>
+          <p:cNvSpPr>
+            <a:spLocks noGrp="1"/>
+          </p:cNvSpPr>
+          <p:nvPr>
+            <p:ph type="title"/>
+          </p:nvPr>
+        </p:nvSpPr>
+        <p:spPr/>
+        <p:txBody>
+          <a:bodyPr/>
           <a:lstStyle/>
           <a:p>
             <a:pPr>
@@ -3362,27 +3347,21 @@
       </p:sp>
       <p:sp>
         <p:nvSpPr>
-          <p:cNvPr id="3" name="TextBox 2"/>
-          <p:cNvSpPr txBox="1"/>
-          <p:nvPr/>
-        </p:nvSpPr>
-        <p:spPr>
-          <a:xfrm>
-            <a:off x="457200" y="1371600"/>
-            <a:ext cx="8229600" cy="5029200"/>
-          </a:xfrm>
-          <a:prstGeom prst="rect">
-            <a:avLst/>
-          </a:prstGeom>
-          <a:noFill/>
-        </p:spPr>
-        <p:txBody>
-          <a:bodyPr wrap="none">
-            <a:spAutoFit/>
-          </a:bodyPr>
+          <p:cNvPr id="3" name="Content Placeholder 2"/>
+          <p:cNvSpPr>
+            <a:spLocks noGrp="1"/>
+          </p:cNvSpPr>
+          <p:nvPr>
+            <p:ph idx="1"/>
+          </p:nvPr>
+        </p:nvSpPr>
+        <p:spPr/>
+        <p:txBody>
+          <a:bodyPr/>
           <a:lstStyle/>
           <a:p>
             <a:pPr>
+              <a:buNone/>
               <a:defRPr sz="1400">
                 <a:solidFill>
                   <a:srgbClr val="444444"/>
@@ -3396,6 +3375,7 @@
           </a:p>
           <a:p>
             <a:pPr>
+              <a:buNone/>
               <a:defRPr sz="1400">
                 <a:solidFill>
                   <a:srgbClr val="444444"/>
@@ -3409,6 +3389,7 @@
           </a:p>
           <a:p>
             <a:pPr>
+              <a:buNone/>
               <a:defRPr sz="1400">
                 <a:solidFill>
                   <a:srgbClr val="444444"/>
@@ -3422,6 +3403,7 @@
           </a:p>
           <a:p>
             <a:pPr>
+              <a:buNone/>
               <a:defRPr sz="1400">
                 <a:solidFill>
                   <a:srgbClr val="444444"/>
@@ -3435,6 +3417,7 @@
           </a:p>
           <a:p>
             <a:pPr>
+              <a:buNone/>
               <a:defRPr sz="1400">
                 <a:solidFill>
                   <a:srgbClr val="444444"/>
@@ -3448,6 +3431,7 @@
           </a:p>
           <a:p>
             <a:pPr>
+              <a:buNone/>
               <a:defRPr sz="1400">
                 <a:solidFill>
                   <a:srgbClr val="444444"/>
@@ -3461,6 +3445,7 @@
           </a:p>
           <a:p>
             <a:pPr>
+              <a:buNone/>
               <a:defRPr sz="1400">
                 <a:solidFill>
                   <a:srgbClr val="444444"/>
@@ -3494,24 +3479,17 @@
       <p:grpSpPr/>
       <p:sp>
         <p:nvSpPr>
-          <p:cNvPr id="2" name="TextBox 1"/>
-          <p:cNvSpPr txBox="1"/>
-          <p:nvPr/>
-        </p:nvSpPr>
-        <p:spPr>
-          <a:xfrm>
-            <a:off x="457200" y="457200"/>
-            <a:ext cx="8229600" cy="914400"/>
-          </a:xfrm>
-          <a:prstGeom prst="rect">
-            <a:avLst/>
-          </a:prstGeom>
-          <a:noFill/>
-        </p:spPr>
-        <p:txBody>
-          <a:bodyPr wrap="none">
-            <a:spAutoFit/>
-          </a:bodyPr>
+          <p:cNvPr id="2" name="Title 1"/>
+          <p:cNvSpPr>
+            <a:spLocks noGrp="1"/>
+          </p:cNvSpPr>
+          <p:nvPr>
+            <p:ph type="title"/>
+          </p:nvPr>
+        </p:nvSpPr>
+        <p:spPr/>
+        <p:txBody>
+          <a:bodyPr/>
           <a:lstStyle/>
           <a:p>
             <a:pPr>
@@ -3530,27 +3508,21 @@
       </p:sp>
       <p:sp>
         <p:nvSpPr>
-          <p:cNvPr id="3" name="TextBox 2"/>
-          <p:cNvSpPr txBox="1"/>
-          <p:nvPr/>
-        </p:nvSpPr>
-        <p:spPr>
-          <a:xfrm>
-            <a:off x="457200" y="1371600"/>
-            <a:ext cx="8229600" cy="5029200"/>
-          </a:xfrm>
-          <a:prstGeom prst="rect">
-            <a:avLst/>
-          </a:prstGeom>
-          <a:noFill/>
-        </p:spPr>
-        <p:txBody>
-          <a:bodyPr wrap="none">
-            <a:spAutoFit/>
-          </a:bodyPr>
+          <p:cNvPr id="3" name="Content Placeholder 2"/>
+          <p:cNvSpPr>
+            <a:spLocks noGrp="1"/>
+          </p:cNvSpPr>
+          <p:nvPr>
+            <p:ph idx="1"/>
+          </p:nvPr>
+        </p:nvSpPr>
+        <p:spPr/>
+        <p:txBody>
+          <a:bodyPr/>
           <a:lstStyle/>
           <a:p>
             <a:pPr>
+              <a:buNone/>
               <a:defRPr sz="1400" b="1">
                 <a:solidFill>
                   <a:srgbClr val="444444"/>
@@ -3564,6 +3536,7 @@
           </a:p>
           <a:p>
             <a:pPr>
+              <a:buNone/>
               <a:defRPr sz="1400" b="1">
                 <a:solidFill>
                   <a:srgbClr val="444444"/>
@@ -3577,6 +3550,7 @@
           </a:p>
           <a:p>
             <a:pPr>
+              <a:buNone/>
               <a:defRPr sz="1400" b="1">
                 <a:solidFill>
                   <a:srgbClr val="444444"/>
@@ -3607,6 +3581,7 @@
           </a:p>
           <a:p>
             <a:pPr>
+              <a:buNone/>
               <a:defRPr sz="1400" b="1">
                 <a:solidFill>
                   <a:srgbClr val="444444"/>
@@ -3620,6 +3595,7 @@
           </a:p>
           <a:p>
             <a:pPr>
+              <a:buNone/>
               <a:defRPr sz="1400" b="1">
                 <a:solidFill>
                   <a:srgbClr val="444444"/>
@@ -3633,6 +3609,7 @@
           </a:p>
           <a:p>
             <a:pPr>
+              <a:buNone/>
               <a:defRPr sz="1400" b="1">
                 <a:solidFill>
                   <a:srgbClr val="444444"/>
@@ -3646,6 +3623,7 @@
           </a:p>
           <a:p>
             <a:pPr>
+              <a:buNone/>
               <a:defRPr sz="1400" b="1">
                 <a:solidFill>
                   <a:srgbClr val="444444"/>
@@ -3659,6 +3637,7 @@
           </a:p>
           <a:p>
             <a:pPr>
+              <a:buNone/>
               <a:defRPr sz="1400" b="1">
                 <a:solidFill>
                   <a:srgbClr val="444444"/>
@@ -3672,6 +3651,7 @@
           </a:p>
           <a:p>
             <a:pPr>
+              <a:buNone/>
               <a:defRPr sz="1400" b="1">
                 <a:solidFill>
                   <a:srgbClr val="444444"/>
@@ -3685,6 +3665,7 @@
           </a:p>
           <a:p>
             <a:pPr>
+              <a:buNone/>
               <a:defRPr sz="1400" b="1">
                 <a:solidFill>
                   <a:srgbClr val="444444"/>
@@ -3698,6 +3679,7 @@
           </a:p>
           <a:p>
             <a:pPr>
+              <a:buNone/>
               <a:defRPr sz="1400" b="1">
                 <a:solidFill>
                   <a:srgbClr val="444444"/>
@@ -3711,6 +3693,7 @@
           </a:p>
           <a:p>
             <a:pPr>
+              <a:buNone/>
               <a:defRPr sz="1400" b="1">
                 <a:solidFill>
                   <a:srgbClr val="444444"/>
@@ -3724,6 +3707,7 @@
           </a:p>
           <a:p>
             <a:pPr>
+              <a:buNone/>
               <a:defRPr sz="1400" b="1">
                 <a:solidFill>
                   <a:srgbClr val="444444"/>
@@ -3737,6 +3721,7 @@
           </a:p>
           <a:p>
             <a:pPr>
+              <a:buNone/>
               <a:defRPr sz="1400" b="1">
                 <a:solidFill>
                   <a:srgbClr val="444444"/>
@@ -3770,24 +3755,17 @@
       <p:grpSpPr/>
       <p:sp>
         <p:nvSpPr>
-          <p:cNvPr id="2" name="TextBox 1"/>
-          <p:cNvSpPr txBox="1"/>
-          <p:nvPr/>
-        </p:nvSpPr>
-        <p:spPr>
-          <a:xfrm>
-            <a:off x="457200" y="457200"/>
-            <a:ext cx="8229600" cy="914400"/>
-          </a:xfrm>
-          <a:prstGeom prst="rect">
-            <a:avLst/>
-          </a:prstGeom>
-          <a:noFill/>
-        </p:spPr>
-        <p:txBody>
-          <a:bodyPr wrap="none">
-            <a:spAutoFit/>
-          </a:bodyPr>
+          <p:cNvPr id="2" name="Title 1"/>
+          <p:cNvSpPr>
+            <a:spLocks noGrp="1"/>
+          </p:cNvSpPr>
+          <p:nvPr>
+            <p:ph type="title"/>
+          </p:nvPr>
+        </p:nvSpPr>
+        <p:spPr/>
+        <p:txBody>
+          <a:bodyPr/>
           <a:lstStyle/>
           <a:p>
             <a:pPr>
@@ -3806,27 +3784,21 @@
       </p:sp>
       <p:sp>
         <p:nvSpPr>
-          <p:cNvPr id="3" name="TextBox 2"/>
-          <p:cNvSpPr txBox="1"/>
-          <p:nvPr/>
-        </p:nvSpPr>
-        <p:spPr>
-          <a:xfrm>
-            <a:off x="457200" y="1371600"/>
-            <a:ext cx="8229600" cy="5029200"/>
-          </a:xfrm>
-          <a:prstGeom prst="rect">
-            <a:avLst/>
-          </a:prstGeom>
-          <a:noFill/>
-        </p:spPr>
-        <p:txBody>
-          <a:bodyPr wrap="none">
-            <a:spAutoFit/>
-          </a:bodyPr>
+          <p:cNvPr id="3" name="Content Placeholder 2"/>
+          <p:cNvSpPr>
+            <a:spLocks noGrp="1"/>
+          </p:cNvSpPr>
+          <p:nvPr>
+            <p:ph idx="1"/>
+          </p:nvPr>
+        </p:nvSpPr>
+        <p:spPr/>
+        <p:txBody>
+          <a:bodyPr/>
           <a:lstStyle/>
           <a:p>
             <a:pPr>
+              <a:buNone/>
               <a:defRPr sz="1400">
                 <a:solidFill>
                   <a:srgbClr val="444444"/>
@@ -3840,6 +3812,7 @@
           </a:p>
           <a:p>
             <a:pPr>
+              <a:buNone/>
               <a:defRPr sz="1400">
                 <a:solidFill>
                   <a:srgbClr val="444444"/>
@@ -3853,6 +3826,7 @@
           </a:p>
           <a:p>
             <a:pPr>
+              <a:buNone/>
               <a:defRPr sz="1400">
                 <a:solidFill>
                   <a:srgbClr val="444444"/>
@@ -3866,6 +3840,7 @@
           </a:p>
           <a:p>
             <a:pPr>
+              <a:buNone/>
               <a:defRPr sz="1400" b="1">
                 <a:solidFill>
                   <a:srgbClr val="444444"/>
@@ -3920,24 +3895,17 @@
       <p:grpSpPr/>
       <p:sp>
         <p:nvSpPr>
-          <p:cNvPr id="2" name="TextBox 1"/>
-          <p:cNvSpPr txBox="1"/>
-          <p:nvPr/>
-        </p:nvSpPr>
-        <p:spPr>
-          <a:xfrm>
-            <a:off x="457200" y="457200"/>
-            <a:ext cx="8229600" cy="914400"/>
-          </a:xfrm>
-          <a:prstGeom prst="rect">
-            <a:avLst/>
-          </a:prstGeom>
-          <a:noFill/>
-        </p:spPr>
-        <p:txBody>
-          <a:bodyPr wrap="none">
-            <a:spAutoFit/>
-          </a:bodyPr>
+          <p:cNvPr id="2" name="Title 1"/>
+          <p:cNvSpPr>
+            <a:spLocks noGrp="1"/>
+          </p:cNvSpPr>
+          <p:nvPr>
+            <p:ph type="title"/>
+          </p:nvPr>
+        </p:nvSpPr>
+        <p:spPr/>
+        <p:txBody>
+          <a:bodyPr/>
           <a:lstStyle/>
           <a:p>
             <a:pPr>
@@ -3956,27 +3924,21 @@
       </p:sp>
       <p:sp>
         <p:nvSpPr>
-          <p:cNvPr id="3" name="TextBox 2"/>
-          <p:cNvSpPr txBox="1"/>
-          <p:nvPr/>
-        </p:nvSpPr>
-        <p:spPr>
-          <a:xfrm>
-            <a:off x="457200" y="1371600"/>
-            <a:ext cx="8229600" cy="5029200"/>
-          </a:xfrm>
-          <a:prstGeom prst="rect">
-            <a:avLst/>
-          </a:prstGeom>
-          <a:noFill/>
-        </p:spPr>
-        <p:txBody>
-          <a:bodyPr wrap="none">
-            <a:spAutoFit/>
-          </a:bodyPr>
+          <p:cNvPr id="3" name="Content Placeholder 2"/>
+          <p:cNvSpPr>
+            <a:spLocks noGrp="1"/>
+          </p:cNvSpPr>
+          <p:nvPr>
+            <p:ph idx="1"/>
+          </p:nvPr>
+        </p:nvSpPr>
+        <p:spPr/>
+        <p:txBody>
+          <a:bodyPr/>
           <a:lstStyle/>
           <a:p>
             <a:pPr>
+              <a:buNone/>
               <a:defRPr sz="1400">
                 <a:solidFill>
                   <a:srgbClr val="444444"/>
@@ -3990,6 +3952,7 @@
           </a:p>
           <a:p>
             <a:pPr>
+              <a:buNone/>
               <a:defRPr sz="1400">
                 <a:solidFill>
                   <a:srgbClr val="444444"/>
